--- a/AI_sysytem_dev_flow_study.pptx
+++ b/AI_sysytem_dev_flow_study.pptx
@@ -3603,7 +3603,7 @@
         <p:spPr>
           <a:xfrm>
             <a:off x="548639" y="1253396"/>
-            <a:ext cx="1566673" cy="208168"/>
+            <a:ext cx="1566673" cy="317256"/>
           </a:xfrm>
           <a:prstGeom prst="flowChartProcess">
             <a:avLst/>
@@ -3642,7 +3642,23 @@
                   <a:sysClr val="windowText" lastClr="000000"/>
                 </a:solidFill>
               </a:rPr>
-              <a:t>業務分析を行う　</a:t>
+              <a:t>業務分析を行い</a:t>
+            </a:r>
+            <a:endParaRPr kumimoji="1" lang="en-US" altLang="ja-JP" sz="800" dirty="0">
+              <a:solidFill>
+                <a:sysClr val="windowText" lastClr="000000"/>
+              </a:solidFill>
+            </a:endParaRPr>
+          </a:p>
+          <a:p>
+            <a:pPr algn="ctr"/>
+            <a:r>
+              <a:rPr kumimoji="1" lang="ja-JP" altLang="en-US" sz="800" dirty="0">
+                <a:solidFill>
+                  <a:sysClr val="windowText" lastClr="000000"/>
+                </a:solidFill>
+              </a:rPr>
+              <a:t>理想像を描く　</a:t>
             </a:r>
           </a:p>
         </p:txBody>
@@ -3732,6 +3748,7 @@
             </a:extLst>
           </p:cNvPr>
           <p:cNvCxnSpPr>
+            <a:cxnSpLocks/>
             <a:stCxn id="3" idx="2"/>
             <a:endCxn id="4" idx="0"/>
           </p:cNvCxnSpPr>
@@ -3785,8 +3802,8 @@
         </p:nvCxnSpPr>
         <p:spPr>
           <a:xfrm flipH="1">
-            <a:off x="1331975" y="1461564"/>
-            <a:ext cx="1" cy="441581"/>
+            <a:off x="1331975" y="1570652"/>
+            <a:ext cx="1" cy="332493"/>
           </a:xfrm>
           <a:prstGeom prst="straightConnector1">
             <a:avLst/>
@@ -8197,7 +8214,7 @@
                   <a:sysClr val="windowText" lastClr="000000"/>
                 </a:solidFill>
               </a:rPr>
-              <a:t>モデル開発要件を定義する</a:t>
+              <a:t>モデル開発前提を定義する</a:t>
             </a:r>
           </a:p>
         </p:txBody>
@@ -8983,7 +9000,7 @@
         <p:spPr>
           <a:xfrm>
             <a:off x="4199913" y="6019815"/>
-            <a:ext cx="1378904" cy="215444"/>
+            <a:ext cx="1584088" cy="215444"/>
           </a:xfrm>
           <a:prstGeom prst="rect">
             <a:avLst/>
@@ -9006,7 +9023,7 @@
               <a:rPr kumimoji="1" lang="ja-JP" altLang="en-US" sz="800" dirty="0">
                 <a:latin typeface="+mn-ea"/>
               </a:rPr>
-              <a:t>モデル要件定義図</a:t>
+              <a:t>モデル開発前提定義図</a:t>
             </a:r>
             <a:endParaRPr kumimoji="1" lang="en-US" altLang="ja-JP" sz="800" dirty="0">
               <a:latin typeface="+mn-ea"/>
